--- a/slides/PauseScreen.pptx
+++ b/slides/PauseScreen.pptx
@@ -5,20 +5,22 @@
     <p:sldMasterId id="2147483657" r:id="rId1"/>
   </p:sldMasterIdLst>
   <p:notesMasterIdLst>
-    <p:notesMasterId r:id="rId3"/>
+    <p:notesMasterId r:id="rId5"/>
   </p:notesMasterIdLst>
   <p:sldIdLst>
     <p:sldId id="272" r:id="rId2"/>
+    <p:sldId id="273" r:id="rId3"/>
+    <p:sldId id="333" r:id="rId4"/>
   </p:sldIdLst>
   <p:sldSz cx="10080625" cy="6858000"/>
   <p:notesSz cx="6888163" cy="10020300"/>
   <p:embeddedFontLst>
     <p:embeddedFont>
       <p:font typeface="Arial Narrow" panose="020B0606020202030204" pitchFamily="34" charset="0"/>
-      <p:regular r:id="rId4"/>
-      <p:bold r:id="rId5"/>
-      <p:italic r:id="rId6"/>
-      <p:boldItalic r:id="rId7"/>
+      <p:regular r:id="rId6"/>
+      <p:bold r:id="rId7"/>
+      <p:italic r:id="rId8"/>
+      <p:boldItalic r:id="rId9"/>
     </p:embeddedFont>
   </p:embeddedFontLst>
   <p:defaultTextStyle>
@@ -2916,8 +2918,13 @@
             </a:pPr>
             <a:r>
               <a:rPr lang="en-US" sz="2400" dirty="0"/>
-              <a:t>Any questions or comments!</a:t>
+              <a:t>Any questions </a:t>
             </a:r>
+            <a:r>
+              <a:rPr lang="en-US" sz="2400"/>
+              <a:t>or comments?</a:t>
+            </a:r>
+            <a:endParaRPr lang="en-US" sz="2400" dirty="0"/>
           </a:p>
           <a:p>
             <a:pPr>
@@ -2936,7 +2943,7 @@
             </a:pPr>
             <a:r>
               <a:rPr lang="en-US" sz="2400" dirty="0"/>
-              <a:t>Consumer</a:t>
+              <a:t>Consumer (remaining)</a:t>
             </a:r>
           </a:p>
           <a:p>
@@ -2967,16 +2974,6 @@
             <a:r>
               <a:rPr lang="en-US" sz="2400" dirty="0"/>
               <a:t>Kafka Streams</a:t>
-            </a:r>
-          </a:p>
-          <a:p>
-            <a:pPr>
-              <a:buFont typeface="Arial" panose="020B0604020202020204" pitchFamily="34" charset="0"/>
-              <a:buChar char="•"/>
-            </a:pPr>
-            <a:r>
-              <a:rPr lang="en-US" sz="2400" dirty="0"/>
-              <a:t>EDA</a:t>
             </a:r>
           </a:p>
           <a:p>
@@ -3030,6 +3027,190 @@
     <p:extLst>
       <p:ext uri="{BB962C8B-B14F-4D97-AF65-F5344CB8AC3E}">
         <p14:creationId xmlns:p14="http://schemas.microsoft.com/office/powerpoint/2010/main" val="2191784863"/>
+      </p:ext>
+    </p:extLst>
+  </p:cSld>
+  <p:clrMapOvr>
+    <a:masterClrMapping/>
+  </p:clrMapOvr>
+</p:sld>
+</file>
+
+<file path=ppt/slides/slide2.xml><?xml version="1.0" encoding="utf-8"?>
+<p:sld xmlns:a="http://schemas.openxmlformats.org/drawingml/2006/main" xmlns:r="http://schemas.openxmlformats.org/officeDocument/2006/relationships" xmlns:p="http://schemas.openxmlformats.org/presentationml/2006/main">
+  <p:cSld>
+    <p:spTree>
+      <p:nvGrpSpPr>
+        <p:cNvPr id="1" name=""/>
+        <p:cNvGrpSpPr/>
+        <p:nvPr/>
+      </p:nvGrpSpPr>
+      <p:grpSpPr>
+        <a:xfrm>
+          <a:off x="0" y="0"/>
+          <a:ext cx="0" cy="0"/>
+          <a:chOff x="0" y="0"/>
+          <a:chExt cx="0" cy="0"/>
+        </a:xfrm>
+      </p:grpSpPr>
+      <p:sp>
+        <p:nvSpPr>
+          <p:cNvPr id="2" name="Titel 1">
+            <a:extLst>
+              <a:ext uri="{FF2B5EF4-FFF2-40B4-BE49-F238E27FC236}">
+                <a16:creationId xmlns:a16="http://schemas.microsoft.com/office/drawing/2014/main" id="{9CED9925-558D-74FA-3F87-22E0BE5477D6}"/>
+              </a:ext>
+            </a:extLst>
+          </p:cNvPr>
+          <p:cNvSpPr>
+            <a:spLocks noGrp="1"/>
+          </p:cNvSpPr>
+          <p:nvPr>
+            <p:ph type="title"/>
+          </p:nvPr>
+        </p:nvSpPr>
+        <p:spPr/>
+        <p:txBody>
+          <a:bodyPr/>
+          <a:lstStyle/>
+          <a:p>
+            <a:endParaRPr lang="en-US"/>
+          </a:p>
+        </p:txBody>
+      </p:sp>
+      <p:sp>
+        <p:nvSpPr>
+          <p:cNvPr id="3" name="Pladsholder til tekst 2">
+            <a:extLst>
+              <a:ext uri="{FF2B5EF4-FFF2-40B4-BE49-F238E27FC236}">
+                <a16:creationId xmlns:a16="http://schemas.microsoft.com/office/drawing/2014/main" id="{7C7D3A5A-C07F-4D64-BB1C-F769A76C8904}"/>
+              </a:ext>
+            </a:extLst>
+          </p:cNvPr>
+          <p:cNvSpPr>
+            <a:spLocks noGrp="1"/>
+          </p:cNvSpPr>
+          <p:nvPr>
+            <p:ph type="body" idx="1"/>
+          </p:nvPr>
+        </p:nvSpPr>
+        <p:spPr/>
+        <p:txBody>
+          <a:bodyPr/>
+          <a:lstStyle/>
+          <a:p>
+            <a:endParaRPr lang="en-US"/>
+          </a:p>
+        </p:txBody>
+      </p:sp>
+    </p:spTree>
+    <p:extLst>
+      <p:ext uri="{BB962C8B-B14F-4D97-AF65-F5344CB8AC3E}">
+        <p14:creationId xmlns:p14="http://schemas.microsoft.com/office/powerpoint/2010/main" val="1656289710"/>
+      </p:ext>
+    </p:extLst>
+  </p:cSld>
+  <p:clrMapOvr>
+    <a:masterClrMapping/>
+  </p:clrMapOvr>
+</p:sld>
+</file>
+
+<file path=ppt/slides/slide3.xml><?xml version="1.0" encoding="utf-8"?>
+<p:sld xmlns:a="http://schemas.openxmlformats.org/drawingml/2006/main" xmlns:r="http://schemas.openxmlformats.org/officeDocument/2006/relationships" xmlns:p="http://schemas.openxmlformats.org/presentationml/2006/main">
+  <p:cSld>
+    <p:spTree>
+      <p:nvGrpSpPr>
+        <p:cNvPr id="1" name=""/>
+        <p:cNvGrpSpPr/>
+        <p:nvPr/>
+      </p:nvGrpSpPr>
+      <p:grpSpPr>
+        <a:xfrm>
+          <a:off x="0" y="0"/>
+          <a:ext cx="0" cy="0"/>
+          <a:chOff x="0" y="0"/>
+          <a:chExt cx="0" cy="0"/>
+        </a:xfrm>
+      </p:grpSpPr>
+      <p:sp>
+        <p:nvSpPr>
+          <p:cNvPr id="2" name="Titel 1">
+            <a:extLst>
+              <a:ext uri="{FF2B5EF4-FFF2-40B4-BE49-F238E27FC236}">
+                <a16:creationId xmlns:a16="http://schemas.microsoft.com/office/drawing/2014/main" id="{2C8F2569-A33D-C041-2468-29663C683533}"/>
+              </a:ext>
+            </a:extLst>
+          </p:cNvPr>
+          <p:cNvSpPr>
+            <a:spLocks noGrp="1"/>
+          </p:cNvSpPr>
+          <p:nvPr>
+            <p:ph type="title"/>
+          </p:nvPr>
+        </p:nvSpPr>
+        <p:spPr/>
+        <p:txBody>
+          <a:bodyPr/>
+          <a:lstStyle/>
+          <a:p>
+            <a:r>
+              <a:rPr lang="en-US" dirty="0"/>
+              <a:t>Lunch Break</a:t>
+            </a:r>
+          </a:p>
+        </p:txBody>
+      </p:sp>
+      <p:sp>
+        <p:nvSpPr>
+          <p:cNvPr id="3" name="Pladsholder til tekst 2">
+            <a:extLst>
+              <a:ext uri="{FF2B5EF4-FFF2-40B4-BE49-F238E27FC236}">
+                <a16:creationId xmlns:a16="http://schemas.microsoft.com/office/drawing/2014/main" id="{E622A978-CE99-C70D-EA20-B923BD05D3EE}"/>
+              </a:ext>
+            </a:extLst>
+          </p:cNvPr>
+          <p:cNvSpPr>
+            <a:spLocks noGrp="1"/>
+          </p:cNvSpPr>
+          <p:nvPr>
+            <p:ph type="body" idx="1"/>
+          </p:nvPr>
+        </p:nvSpPr>
+        <p:spPr/>
+        <p:txBody>
+          <a:bodyPr/>
+          <a:lstStyle/>
+          <a:p>
+            <a:pPr marL="12700" indent="0" algn="ctr">
+              <a:buNone/>
+            </a:pPr>
+            <a:r>
+              <a:rPr lang="en-US" sz="4400" dirty="0"/>
+              <a:t>Starting again at 12:30</a:t>
+            </a:r>
+          </a:p>
+          <a:p>
+            <a:pPr marL="12700" indent="0" algn="ctr">
+              <a:buNone/>
+            </a:pPr>
+            <a:endParaRPr lang="en-US" sz="4400" dirty="0"/>
+          </a:p>
+          <a:p>
+            <a:pPr marL="12700" indent="0" algn="ctr">
+              <a:buNone/>
+            </a:pPr>
+            <a:r>
+              <a:rPr lang="en-US" sz="4400" dirty="0"/>
+              <a:t>Please raise your hand when you are back!</a:t>
+            </a:r>
+          </a:p>
+        </p:txBody>
+      </p:sp>
+    </p:spTree>
+    <p:extLst>
+      <p:ext uri="{BB962C8B-B14F-4D97-AF65-F5344CB8AC3E}">
+        <p14:creationId xmlns:p14="http://schemas.microsoft.com/office/powerpoint/2010/main" val="1650514928"/>
       </p:ext>
     </p:extLst>
   </p:cSld>
